--- a/Presentation1.pptx
+++ b/Presentation1.pptx
@@ -7,6 +7,7 @@
   <p:sldIdLst>
     <p:sldId id="256" r:id="rId2"/>
     <p:sldId id="257" r:id="rId3"/>
+    <p:sldId id="258" r:id="rId4"/>
   </p:sldIdLst>
   <p:sldSz cx="12192000" cy="6858000"/>
   <p:notesSz cx="6858000" cy="9144000"/>
@@ -105,6 +106,11 @@
       </a:defRPr>
     </a:lvl9pPr>
   </p:defaultTextStyle>
+  <p:extLst>
+    <p:ext uri="{EFAFB233-063F-42B5-8137-9DF3F51BA10A}">
+      <p15:sldGuideLst xmlns:p15="http://schemas.microsoft.com/office/powerpoint/2012/main"/>
+    </p:ext>
+  </p:extLst>
 </p:presentation>
 </file>
 
@@ -257,7 +263,7 @@
           <a:p>
             <a:fld id="{89453F21-E2F3-489D-8E8D-DAE1585E2AEE}" type="datetimeFigureOut">
               <a:rPr lang="en-IN" smtClean="0"/>
-              <a:t>10-May-2019</a:t>
+              <a:t>13-May-2019</a:t>
             </a:fld>
             <a:endParaRPr lang="en-IN"/>
           </a:p>
@@ -457,7 +463,7 @@
           <a:p>
             <a:fld id="{89453F21-E2F3-489D-8E8D-DAE1585E2AEE}" type="datetimeFigureOut">
               <a:rPr lang="en-IN" smtClean="0"/>
-              <a:t>10-May-2019</a:t>
+              <a:t>13-May-2019</a:t>
             </a:fld>
             <a:endParaRPr lang="en-IN"/>
           </a:p>
@@ -667,7 +673,7 @@
           <a:p>
             <a:fld id="{89453F21-E2F3-489D-8E8D-DAE1585E2AEE}" type="datetimeFigureOut">
               <a:rPr lang="en-IN" smtClean="0"/>
-              <a:t>10-May-2019</a:t>
+              <a:t>13-May-2019</a:t>
             </a:fld>
             <a:endParaRPr lang="en-IN"/>
           </a:p>
@@ -867,7 +873,7 @@
           <a:p>
             <a:fld id="{89453F21-E2F3-489D-8E8D-DAE1585E2AEE}" type="datetimeFigureOut">
               <a:rPr lang="en-IN" smtClean="0"/>
-              <a:t>10-May-2019</a:t>
+              <a:t>13-May-2019</a:t>
             </a:fld>
             <a:endParaRPr lang="en-IN"/>
           </a:p>
@@ -1143,7 +1149,7 @@
           <a:p>
             <a:fld id="{89453F21-E2F3-489D-8E8D-DAE1585E2AEE}" type="datetimeFigureOut">
               <a:rPr lang="en-IN" smtClean="0"/>
-              <a:t>10-May-2019</a:t>
+              <a:t>13-May-2019</a:t>
             </a:fld>
             <a:endParaRPr lang="en-IN"/>
           </a:p>
@@ -1411,7 +1417,7 @@
           <a:p>
             <a:fld id="{89453F21-E2F3-489D-8E8D-DAE1585E2AEE}" type="datetimeFigureOut">
               <a:rPr lang="en-IN" smtClean="0"/>
-              <a:t>10-May-2019</a:t>
+              <a:t>13-May-2019</a:t>
             </a:fld>
             <a:endParaRPr lang="en-IN"/>
           </a:p>
@@ -1826,7 +1832,7 @@
           <a:p>
             <a:fld id="{89453F21-E2F3-489D-8E8D-DAE1585E2AEE}" type="datetimeFigureOut">
               <a:rPr lang="en-IN" smtClean="0"/>
-              <a:t>10-May-2019</a:t>
+              <a:t>13-May-2019</a:t>
             </a:fld>
             <a:endParaRPr lang="en-IN"/>
           </a:p>
@@ -1968,7 +1974,7 @@
           <a:p>
             <a:fld id="{89453F21-E2F3-489D-8E8D-DAE1585E2AEE}" type="datetimeFigureOut">
               <a:rPr lang="en-IN" smtClean="0"/>
-              <a:t>10-May-2019</a:t>
+              <a:t>13-May-2019</a:t>
             </a:fld>
             <a:endParaRPr lang="en-IN"/>
           </a:p>
@@ -2081,7 +2087,7 @@
           <a:p>
             <a:fld id="{89453F21-E2F3-489D-8E8D-DAE1585E2AEE}" type="datetimeFigureOut">
               <a:rPr lang="en-IN" smtClean="0"/>
-              <a:t>10-May-2019</a:t>
+              <a:t>13-May-2019</a:t>
             </a:fld>
             <a:endParaRPr lang="en-IN"/>
           </a:p>
@@ -2394,7 +2400,7 @@
           <a:p>
             <a:fld id="{89453F21-E2F3-489D-8E8D-DAE1585E2AEE}" type="datetimeFigureOut">
               <a:rPr lang="en-IN" smtClean="0"/>
-              <a:t>10-May-2019</a:t>
+              <a:t>13-May-2019</a:t>
             </a:fld>
             <a:endParaRPr lang="en-IN"/>
           </a:p>
@@ -2683,7 +2689,7 @@
           <a:p>
             <a:fld id="{89453F21-E2F3-489D-8E8D-DAE1585E2AEE}" type="datetimeFigureOut">
               <a:rPr lang="en-IN" smtClean="0"/>
-              <a:t>10-May-2019</a:t>
+              <a:t>13-May-2019</a:t>
             </a:fld>
             <a:endParaRPr lang="en-IN"/>
           </a:p>
@@ -2926,7 +2932,7 @@
           <a:p>
             <a:fld id="{89453F21-E2F3-489D-8E8D-DAE1585E2AEE}" type="datetimeFigureOut">
               <a:rPr lang="en-IN" smtClean="0"/>
-              <a:t>10-May-2019</a:t>
+              <a:t>13-May-2019</a:t>
             </a:fld>
             <a:endParaRPr lang="en-IN"/>
           </a:p>
@@ -4121,12 +4127,42 @@
           </a:p>
         </p:txBody>
       </p:sp>
-      <p:sp>
-        <p:nvSpPr>
-          <p:cNvPr id="11" name="Rectangle: Rounded Corners 10">
-            <a:extLst>
-              <a:ext uri="{FF2B5EF4-FFF2-40B4-BE49-F238E27FC236}">
-                <a16:creationId xmlns:a16="http://schemas.microsoft.com/office/drawing/2014/main" id="{2A6ADF2F-7D44-4946-B24B-E94326FB8B3D}"/>
+    </p:spTree>
+    <p:extLst>
+      <p:ext uri="{BB962C8B-B14F-4D97-AF65-F5344CB8AC3E}">
+        <p14:creationId xmlns:p14="http://schemas.microsoft.com/office/powerpoint/2010/main" val="292760822"/>
+      </p:ext>
+    </p:extLst>
+  </p:cSld>
+  <p:clrMapOvr>
+    <a:masterClrMapping/>
+  </p:clrMapOvr>
+</p:sld>
+</file>
+
+<file path=ppt/slides/slide3.xml><?xml version="1.0" encoding="utf-8"?>
+<p:sld xmlns:a="http://schemas.openxmlformats.org/drawingml/2006/main" xmlns:r="http://schemas.openxmlformats.org/officeDocument/2006/relationships" xmlns:p="http://schemas.openxmlformats.org/presentationml/2006/main">
+  <p:cSld>
+    <p:spTree>
+      <p:nvGrpSpPr>
+        <p:cNvPr id="1" name=""/>
+        <p:cNvGrpSpPr/>
+        <p:nvPr/>
+      </p:nvGrpSpPr>
+      <p:grpSpPr>
+        <a:xfrm>
+          <a:off x="0" y="0"/>
+          <a:ext cx="0" cy="0"/>
+          <a:chOff x="0" y="0"/>
+          <a:chExt cx="0" cy="0"/>
+        </a:xfrm>
+      </p:grpSpPr>
+      <p:sp>
+        <p:nvSpPr>
+          <p:cNvPr id="2" name="Rectangle: Rounded Corners 1">
+            <a:extLst>
+              <a:ext uri="{FF2B5EF4-FFF2-40B4-BE49-F238E27FC236}">
+                <a16:creationId xmlns:a16="http://schemas.microsoft.com/office/drawing/2014/main" id="{EA4F2EF9-82AB-4C4C-9F7A-53FD1D45885A}"/>
               </a:ext>
             </a:extLst>
           </p:cNvPr>
@@ -4135,8 +4171,8 @@
         </p:nvSpPr>
         <p:spPr>
           <a:xfrm>
-            <a:off x="7836309" y="3685593"/>
-            <a:ext cx="2644878" cy="2644878"/>
+            <a:off x="4481086" y="1054560"/>
+            <a:ext cx="3600000" cy="3600000"/>
           </a:xfrm>
           <a:prstGeom prst="roundRect">
             <a:avLst/>
@@ -4167,10 +4203,10 @@
       </p:sp>
       <p:pic>
         <p:nvPicPr>
-          <p:cNvPr id="13" name="Picture 12">
-            <a:extLst>
-              <a:ext uri="{FF2B5EF4-FFF2-40B4-BE49-F238E27FC236}">
-                <a16:creationId xmlns:a16="http://schemas.microsoft.com/office/drawing/2014/main" id="{9025EC96-1C7E-4E36-BCA1-8C8FC30BAA4D}"/>
+          <p:cNvPr id="3" name="Picture 2">
+            <a:extLst>
+              <a:ext uri="{FF2B5EF4-FFF2-40B4-BE49-F238E27FC236}">
+                <a16:creationId xmlns:a16="http://schemas.microsoft.com/office/drawing/2014/main" id="{B6B17124-608D-4DFF-8128-C1E5BBB6D4B8}"/>
               </a:ext>
             </a:extLst>
           </p:cNvPr>
@@ -4179,21 +4215,22 @@
           </p:cNvPicPr>
           <p:nvPr/>
         </p:nvPicPr>
-        <p:blipFill rotWithShape="1">
-          <a:blip r:embed="rId4">
+        <p:blipFill>
+          <a:blip r:embed="rId2">
             <a:extLst>
               <a:ext uri="{28A0092B-C50C-407E-A947-70E740481C1C}">
                 <a14:useLocalDpi xmlns:a14="http://schemas.microsoft.com/office/drawing/2010/main" val="0"/>
               </a:ext>
             </a:extLst>
           </a:blip>
-          <a:srcRect l="20608" t="24246" b="22083"/>
-          <a:stretch/>
+          <a:stretch>
+            <a:fillRect/>
+          </a:stretch>
         </p:blipFill>
         <p:spPr>
           <a:xfrm>
-            <a:off x="9158748" y="4047858"/>
-            <a:ext cx="1214869" cy="2025445"/>
+            <a:off x="6281086" y="1559267"/>
+            <a:ext cx="1584829" cy="2590586"/>
           </a:xfrm>
           <a:prstGeom prst="rect">
             <a:avLst/>
@@ -4202,10 +4239,10 @@
       </p:pic>
       <p:pic>
         <p:nvPicPr>
-          <p:cNvPr id="14" name="Picture 13">
-            <a:extLst>
-              <a:ext uri="{FF2B5EF4-FFF2-40B4-BE49-F238E27FC236}">
-                <a16:creationId xmlns:a16="http://schemas.microsoft.com/office/drawing/2014/main" id="{B5BABE06-40AD-4DA5-8F8C-F854AFB0BCC9}"/>
+          <p:cNvPr id="4" name="Picture 3">
+            <a:extLst>
+              <a:ext uri="{FF2B5EF4-FFF2-40B4-BE49-F238E27FC236}">
+                <a16:creationId xmlns:a16="http://schemas.microsoft.com/office/drawing/2014/main" id="{F5E57372-3E67-4298-8828-2D25C6A669F9}"/>
               </a:ext>
             </a:extLst>
           </p:cNvPr>
@@ -4214,21 +4251,22 @@
           </p:cNvPicPr>
           <p:nvPr/>
         </p:nvPicPr>
-        <p:blipFill rotWithShape="1">
-          <a:blip r:embed="rId4">
+        <p:blipFill>
+          <a:blip r:embed="rId2">
             <a:extLst>
               <a:ext uri="{28A0092B-C50C-407E-A947-70E740481C1C}">
                 <a14:useLocalDpi xmlns:a14="http://schemas.microsoft.com/office/drawing/2010/main" val="0"/>
               </a:ext>
             </a:extLst>
           </a:blip>
-          <a:srcRect l="20608" t="24246" b="22083"/>
-          <a:stretch/>
+          <a:stretch>
+            <a:fillRect/>
+          </a:stretch>
         </p:blipFill>
         <p:spPr>
           <a:xfrm flipH="1">
-            <a:off x="7943880" y="4047857"/>
-            <a:ext cx="1214868" cy="2025445"/>
+            <a:off x="4696258" y="1559267"/>
+            <a:ext cx="1584828" cy="2590586"/>
           </a:xfrm>
           <a:prstGeom prst="rect">
             <a:avLst/>
@@ -4238,7 +4276,7 @@
     </p:spTree>
     <p:extLst>
       <p:ext uri="{BB962C8B-B14F-4D97-AF65-F5344CB8AC3E}">
-        <p14:creationId xmlns:p14="http://schemas.microsoft.com/office/powerpoint/2010/main" val="292760822"/>
+        <p14:creationId xmlns:p14="http://schemas.microsoft.com/office/powerpoint/2010/main" val="3138994999"/>
       </p:ext>
     </p:extLst>
   </p:cSld>
